--- a/output/notWellKnown/Stronger.pptx
+++ b/output/notWellKnown/Stronger.pptx
@@ -10,8 +10,6 @@
     <p:sldId r:id="rId10" id="258"/>
     <p:sldId r:id="rId11" id="259"/>
     <p:sldId r:id="rId12" id="260"/>
-    <p:sldId r:id="rId13" id="261"/>
-    <p:sldId r:id="rId14" id="262"/>
   </p:sldIdLst>
   <p:sldSz cx="9144000" cy="6858000" type="screen4x3"/>
   <p:notesSz cx="6858000" cy="9144000"/>
@@ -508,7 +506,7 @@
           <a:lstStyle/>
           <a:p>
             <a:r>
-              <a:t> </a:t>
+              <a:t>Verse 1</a:t>
             </a:r>
             <a:br/>
             <a:r>
@@ -586,7 +584,7 @@
           <a:lstStyle/>
           <a:p>
             <a:r>
-              <a:t>Verse 1</a:t>
+              <a:t>Verse 2</a:t>
             </a:r>
             <a:br/>
             <a:r>
@@ -664,7 +662,7 @@
           <a:lstStyle/>
           <a:p>
             <a:r>
-              <a:t>(Repeat Intro)</a:t>
+              <a:t>Chorus</a:t>
             </a:r>
             <a:br/>
             <a:r>
@@ -742,7 +740,7 @@
           <a:lstStyle/>
           <a:p>
             <a:r>
-              <a:t>Chorus</a:t>
+              <a:t>Verse 3</a:t>
             </a:r>
             <a:br/>
             <a:r>
@@ -776,162 +774,6 @@
 </file>
 
 <file path=ppt/notesSlides/notesSlide5.xml><?xml version="1.0" encoding="utf-8"?>
-<p:notes xmlns:a="http://schemas.openxmlformats.org/drawingml/2006/main" xmlns:p="http://schemas.openxmlformats.org/presentationml/2006/main" xmlns:r="http://schemas.openxmlformats.org/officeDocument/2006/relationships">
-  <p:cSld>
-    <p:spTree>
-      <p:nvGrpSpPr>
-        <p:cNvPr id="1" name=""/>
-        <p:cNvGrpSpPr/>
-        <p:nvPr/>
-      </p:nvGrpSpPr>
-      <p:grpSpPr>
-        <a:xfrm>
-          <a:off x="0" y="0"/>
-          <a:ext cx="0" cy="0"/>
-          <a:chOff x="0" y="0"/>
-          <a:chExt cx="0" cy="0"/>
-        </a:xfrm>
-      </p:grpSpPr>
-      <p:sp>
-        <p:nvSpPr>
-          <p:cNvPr id="2" name="Slide Image Placeholder 1"/>
-          <p:cNvSpPr>
-            <a:spLocks noGrp="1"/>
-          </p:cNvSpPr>
-          <p:nvPr>
-            <p:ph type="sldImg" idx="2"/>
-          </p:nvPr>
-        </p:nvSpPr>
-        <p:spPr/>
-      </p:sp>
-      <p:sp>
-        <p:nvSpPr>
-          <p:cNvPr id="3" name="Notes Placeholder 2"/>
-          <p:cNvSpPr>
-            <a:spLocks noGrp="1"/>
-          </p:cNvSpPr>
-          <p:nvPr>
-            <p:ph type="body" idx="3" sz="quarter"/>
-          </p:nvPr>
-        </p:nvSpPr>
-        <p:spPr/>
-        <p:txBody>
-          <a:bodyPr/>
-          <a:lstStyle/>
-          <a:p>
-            <a:r>
-              <a:t>(Repeat Intro)</a:t>
-            </a:r>
-            <a:br/>
-            <a:r>
-              <a:t>Writers:  Ben Fielding, Reuben Morgan</a:t>
-            </a:r>
-            <a:br/>
-            <a:r>
-              <a:t>CCLI:  5060810</a:t>
-            </a:r>
-          </a:p>
-        </p:txBody>
-      </p:sp>
-      <p:sp>
-        <p:nvSpPr>
-          <p:cNvPr id="4" name="Slide Number Placeholder 3"/>
-          <p:cNvSpPr>
-            <a:spLocks noGrp="1"/>
-          </p:cNvSpPr>
-          <p:nvPr>
-            <p:ph type="sldNum" idx="5" sz="quarter"/>
-          </p:nvPr>
-        </p:nvSpPr>
-        <p:spPr/>
-      </p:sp>
-    </p:spTree>
-  </p:cSld>
-  <p:clrMapOvr>
-    <a:masterClrMapping/>
-  </p:clrMapOvr>
-</p:notes>
-</file>
-
-<file path=ppt/notesSlides/notesSlide6.xml><?xml version="1.0" encoding="utf-8"?>
-<p:notes xmlns:a="http://schemas.openxmlformats.org/drawingml/2006/main" xmlns:p="http://schemas.openxmlformats.org/presentationml/2006/main" xmlns:r="http://schemas.openxmlformats.org/officeDocument/2006/relationships">
-  <p:cSld>
-    <p:spTree>
-      <p:nvGrpSpPr>
-        <p:cNvPr id="1" name=""/>
-        <p:cNvGrpSpPr/>
-        <p:nvPr/>
-      </p:nvGrpSpPr>
-      <p:grpSpPr>
-        <a:xfrm>
-          <a:off x="0" y="0"/>
-          <a:ext cx="0" cy="0"/>
-          <a:chOff x="0" y="0"/>
-          <a:chExt cx="0" cy="0"/>
-        </a:xfrm>
-      </p:grpSpPr>
-      <p:sp>
-        <p:nvSpPr>
-          <p:cNvPr id="2" name="Slide Image Placeholder 1"/>
-          <p:cNvSpPr>
-            <a:spLocks noGrp="1"/>
-          </p:cNvSpPr>
-          <p:nvPr>
-            <p:ph type="sldImg" idx="2"/>
-          </p:nvPr>
-        </p:nvSpPr>
-        <p:spPr/>
-      </p:sp>
-      <p:sp>
-        <p:nvSpPr>
-          <p:cNvPr id="3" name="Notes Placeholder 2"/>
-          <p:cNvSpPr>
-            <a:spLocks noGrp="1"/>
-          </p:cNvSpPr>
-          <p:nvPr>
-            <p:ph type="body" idx="3" sz="quarter"/>
-          </p:nvPr>
-        </p:nvSpPr>
-        <p:spPr/>
-        <p:txBody>
-          <a:bodyPr/>
-          <a:lstStyle/>
-          <a:p>
-            <a:r>
-              <a:t>(Repeat Chorus 2X)</a:t>
-            </a:r>
-            <a:br/>
-            <a:r>
-              <a:t>Writers:  Ben Fielding, Reuben Morgan</a:t>
-            </a:r>
-            <a:br/>
-            <a:r>
-              <a:t>CCLI:  5060810</a:t>
-            </a:r>
-          </a:p>
-        </p:txBody>
-      </p:sp>
-      <p:sp>
-        <p:nvSpPr>
-          <p:cNvPr id="4" name="Slide Number Placeholder 3"/>
-          <p:cNvSpPr>
-            <a:spLocks noGrp="1"/>
-          </p:cNvSpPr>
-          <p:nvPr>
-            <p:ph type="sldNum" idx="5" sz="quarter"/>
-          </p:nvPr>
-        </p:nvSpPr>
-        <p:spPr/>
-      </p:sp>
-    </p:spTree>
-  </p:cSld>
-  <p:clrMapOvr>
-    <a:masterClrMapping/>
-  </p:clrMapOvr>
-</p:notes>
-</file>
-
-<file path=ppt/notesSlides/notesSlide7.xml><?xml version="1.0" encoding="utf-8"?>
 <p:notes xmlns:a="http://schemas.openxmlformats.org/drawingml/2006/main" xmlns:p="http://schemas.openxmlformats.org/presentationml/2006/main" xmlns:r="http://schemas.openxmlformats.org/officeDocument/2006/relationships">
   <p:cSld>
     <p:spTree>
@@ -4016,6 +3858,22 @@
             <a:pPr>
               <a:defRPr sz="2500"/>
             </a:pPr>
+            <a:r>
+              <a:t>There is Love that came for us</a:t>
+            </a:r>
+            <a:br/>
+            <a:r>
+              <a:t>Humbled to a sinner's cross</a:t>
+            </a:r>
+            <a:br/>
+            <a:r>
+              <a:t>You broke my shame and sinfulness</a:t>
+            </a:r>
+            <a:br/>
+            <a:r>
+              <a:t>You rose again victorious</a:t>
+            </a:r>
+            <a:br/>
           </a:p>
         </p:txBody>
       </p:sp>
@@ -4046,7 +3904,7 @@
               <a:defRPr sz="1200"/>
             </a:pPr>
             <a:r>
-              <a:t> </a:t>
+              <a:t>Verse 1</a:t>
             </a:r>
             <a:br/>
             <a:r>
@@ -4104,19 +3962,19 @@
               <a:defRPr sz="2500"/>
             </a:pPr>
             <a:r>
-              <a:t>There is Love that came for us</a:t>
+              <a:t>Faithfulness none can deny</a:t>
             </a:r>
             <a:br/>
             <a:r>
-              <a:t>Humbled to a sinner's cross</a:t>
+              <a:t>Through the storm and through the fire</a:t>
             </a:r>
             <a:br/>
             <a:r>
-              <a:t>You broke my shame and sinfulness</a:t>
+              <a:t>There is truth that sets me free</a:t>
             </a:r>
             <a:br/>
             <a:r>
-              <a:t>You rose again victorious</a:t>
+              <a:t>Jesus Christ who lives in me</a:t>
             </a:r>
             <a:br/>
           </a:p>
@@ -4149,7 +4007,7 @@
               <a:defRPr sz="1200"/>
             </a:pPr>
             <a:r>
-              <a:t>Verse 1</a:t>
+              <a:t>Verse 2</a:t>
             </a:r>
             <a:br/>
             <a:r>
@@ -4203,28 +4061,35 @@
           <a:lstStyle/>
           <a:p/>
           <a:p>
-            <a:br/>
             <a:pPr>
               <a:defRPr sz="2500"/>
             </a:pPr>
             <a:r>
-              <a:t>Verse 2</a:t>
+              <a:t>You are stronger</a:t>
             </a:r>
             <a:br/>
             <a:r>
-              <a:t>Faithfulness none can deny</a:t>
+              <a:t>You are stronger</a:t>
             </a:r>
             <a:br/>
             <a:r>
-              <a:t>Through the storm and through the fire</a:t>
+              <a:t>Sin is broken</a:t>
             </a:r>
             <a:br/>
             <a:r>
-              <a:t>There is truth that sets me free</a:t>
+              <a:t>You have saved me</a:t>
             </a:r>
             <a:br/>
             <a:r>
-              <a:t>Jesus Christ who lives in me</a:t>
+              <a:t>It is written</a:t>
+            </a:r>
+            <a:br/>
+            <a:r>
+              <a:t>Christ is risen</a:t>
+            </a:r>
+            <a:br/>
+            <a:r>
+              <a:t>Jesus You are Lord of all</a:t>
             </a:r>
             <a:br/>
           </a:p>
@@ -4257,7 +4122,7 @@
               <a:defRPr sz="1200"/>
             </a:pPr>
             <a:r>
-              <a:t>(Repeat Intro)</a:t>
+              <a:t>Chorus</a:t>
             </a:r>
             <a:br/>
             <a:r>
@@ -4315,31 +4180,19 @@
               <a:defRPr sz="2500"/>
             </a:pPr>
             <a:r>
-              <a:t>You are stronger</a:t>
+              <a:t>No beginning and no end</a:t>
             </a:r>
             <a:br/>
             <a:r>
-              <a:t>You are stronger</a:t>
+              <a:t>You're my hope and my defense</a:t>
             </a:r>
             <a:br/>
             <a:r>
-              <a:t>Sin is broken</a:t>
+              <a:t>You came to seek and save the lost</a:t>
             </a:r>
             <a:br/>
             <a:r>
-              <a:t>You have saved me</a:t>
-            </a:r>
-            <a:br/>
-            <a:r>
-              <a:t>It is written</a:t>
-            </a:r>
-            <a:br/>
-            <a:r>
-              <a:t>Christ is risen</a:t>
-            </a:r>
-            <a:br/>
-            <a:r>
-              <a:t>Jesus You are Lord of all</a:t>
+              <a:t>You paid it all upon the cross</a:t>
             </a:r>
             <a:br/>
           </a:p>
@@ -4372,7 +4225,7 @@
               <a:defRPr sz="1200"/>
             </a:pPr>
             <a:r>
-              <a:t>Chorus</a:t>
+              <a:t>Verse 3</a:t>
             </a:r>
             <a:br/>
             <a:r>
@@ -4426,223 +4279,19 @@
           <a:lstStyle/>
           <a:p/>
           <a:p>
-            <a:br/>
             <a:pPr>
               <a:defRPr sz="2500"/>
             </a:pPr>
             <a:r>
-              <a:t>Verse 3</a:t>
+              <a:t>So let Your Name be lifted higher</a:t>
             </a:r>
             <a:br/>
             <a:r>
-              <a:t>No beginning and no end</a:t>
+              <a:t>Be lifted higher</a:t>
             </a:r>
             <a:br/>
             <a:r>
-              <a:t>You're my hope and my defense</a:t>
-            </a:r>
-            <a:br/>
-            <a:r>
-              <a:t>You came to seek and save the lost</a:t>
-            </a:r>
-            <a:br/>
-            <a:r>
-              <a:t>You paid it all upon the cross</a:t>
-            </a:r>
-            <a:br/>
-          </a:p>
-        </p:txBody>
-      </p:sp>
-      <p:sp>
-        <p:nvSpPr>
-          <p:cNvPr id="3" name="TextBox 2"/>
-          <p:cNvSpPr txBox="1"/>
-          <p:nvPr/>
-        </p:nvSpPr>
-        <p:spPr>
-          <a:xfrm>
-            <a:off x="4572000" y="5943600"/>
-            <a:ext cx="914400" cy="914400"/>
-          </a:xfrm>
-          <a:prstGeom prst="rect">
-            <a:avLst/>
-          </a:prstGeom>
-          <a:noFill/>
-        </p:spPr>
-        <p:txBody>
-          <a:bodyPr wrap="none">
-            <a:spAutoFit/>
-          </a:bodyPr>
-          <a:lstStyle/>
-          <a:p/>
-          <a:p>
-            <a:pPr>
-              <a:defRPr sz="1200"/>
-            </a:pPr>
-            <a:r>
-              <a:t>(Repeat Intro)</a:t>
-            </a:r>
-            <a:br/>
-            <a:r>
-              <a:t>Writers:  Ben Fielding, Reuben Morgan</a:t>
-            </a:r>
-            <a:br/>
-            <a:r>
-              <a:t>CCLI:  5060810</a:t>
-            </a:r>
-          </a:p>
-        </p:txBody>
-      </p:sp>
-    </p:spTree>
-  </p:cSld>
-  <p:clrMapOvr>
-    <a:masterClrMapping/>
-  </p:clrMapOvr>
-</p:sld>
-</file>
-
-<file path=ppt/slides/slide6.xml><?xml version="1.0" encoding="utf-8"?>
-<p:sld xmlns:a="http://schemas.openxmlformats.org/drawingml/2006/main" xmlns:p="http://schemas.openxmlformats.org/presentationml/2006/main" xmlns:r="http://schemas.openxmlformats.org/officeDocument/2006/relationships">
-  <p:cSld>
-    <p:spTree>
-      <p:nvGrpSpPr>
-        <p:cNvPr id="1" name=""/>
-        <p:cNvGrpSpPr/>
-        <p:nvPr/>
-      </p:nvGrpSpPr>
-      <p:grpSpPr/>
-      <p:sp>
-        <p:nvSpPr>
-          <p:cNvPr id="2" name="TextBox 1"/>
-          <p:cNvSpPr txBox="1"/>
-          <p:nvPr/>
-        </p:nvSpPr>
-        <p:spPr>
-          <a:xfrm>
-            <a:off x="914400" y="914400"/>
-            <a:ext cx="7315200" cy="914400"/>
-          </a:xfrm>
-          <a:prstGeom prst="rect">
-            <a:avLst/>
-          </a:prstGeom>
-          <a:noFill/>
-        </p:spPr>
-        <p:txBody>
-          <a:bodyPr wrap="none">
-            <a:spAutoFit/>
-          </a:bodyPr>
-          <a:lstStyle/>
-          <a:p/>
-          <a:p>
-            <a:br/>
-            <a:pPr>
-              <a:defRPr sz="2500"/>
-            </a:pPr>
-            <a:r>
-              <a:t>Interlude</a:t>
-            </a:r>
-            <a:br/>
-            <a:r>
-              <a:t> </a:t>
-            </a:r>
-            <a:br/>
-          </a:p>
-        </p:txBody>
-      </p:sp>
-      <p:sp>
-        <p:nvSpPr>
-          <p:cNvPr id="3" name="TextBox 2"/>
-          <p:cNvSpPr txBox="1"/>
-          <p:nvPr/>
-        </p:nvSpPr>
-        <p:spPr>
-          <a:xfrm>
-            <a:off x="4572000" y="5943600"/>
-            <a:ext cx="914400" cy="914400"/>
-          </a:xfrm>
-          <a:prstGeom prst="rect">
-            <a:avLst/>
-          </a:prstGeom>
-          <a:noFill/>
-        </p:spPr>
-        <p:txBody>
-          <a:bodyPr wrap="none">
-            <a:spAutoFit/>
-          </a:bodyPr>
-          <a:lstStyle/>
-          <a:p/>
-          <a:p>
-            <a:pPr>
-              <a:defRPr sz="1200"/>
-            </a:pPr>
-            <a:r>
-              <a:t>(Repeat Chorus 2X)</a:t>
-            </a:r>
-            <a:br/>
-            <a:r>
-              <a:t>Writers:  Ben Fielding, Reuben Morgan</a:t>
-            </a:r>
-            <a:br/>
-            <a:r>
-              <a:t>CCLI:  5060810</a:t>
-            </a:r>
-          </a:p>
-        </p:txBody>
-      </p:sp>
-    </p:spTree>
-  </p:cSld>
-  <p:clrMapOvr>
-    <a:masterClrMapping/>
-  </p:clrMapOvr>
-</p:sld>
-</file>
-
-<file path=ppt/slides/slide7.xml><?xml version="1.0" encoding="utf-8"?>
-<p:sld xmlns:a="http://schemas.openxmlformats.org/drawingml/2006/main" xmlns:p="http://schemas.openxmlformats.org/presentationml/2006/main" xmlns:r="http://schemas.openxmlformats.org/officeDocument/2006/relationships">
-  <p:cSld>
-    <p:spTree>
-      <p:nvGrpSpPr>
-        <p:cNvPr id="1" name=""/>
-        <p:cNvGrpSpPr/>
-        <p:nvPr/>
-      </p:nvGrpSpPr>
-      <p:grpSpPr/>
-      <p:sp>
-        <p:nvSpPr>
-          <p:cNvPr id="2" name="TextBox 1"/>
-          <p:cNvSpPr txBox="1"/>
-          <p:nvPr/>
-        </p:nvSpPr>
-        <p:spPr>
-          <a:xfrm>
-            <a:off x="914400" y="914400"/>
-            <a:ext cx="7315200" cy="914400"/>
-          </a:xfrm>
-          <a:prstGeom prst="rect">
-            <a:avLst/>
-          </a:prstGeom>
-          <a:noFill/>
-        </p:spPr>
-        <p:txBody>
-          <a:bodyPr wrap="none">
-            <a:spAutoFit/>
-          </a:bodyPr>
-          <a:lstStyle/>
-          <a:p/>
-          <a:p>
-            <a:pPr>
-              <a:defRPr sz="2500"/>
-            </a:pPr>
-            <a:r>
-              <a:t>So let Your Name be lifted higher</a:t>
-            </a:r>
-            <a:br/>
-            <a:r>
               <a:t>Be lifted higher</a:t>
-            </a:r>
-            <a:br/>
-            <a:r>
-              <a:t>Be lifted higher    </a:t>
             </a:r>
             <a:br/>
             <a:r>

--- a/output/notWellKnown/Stronger.pptx
+++ b/output/notWellKnown/Stronger.pptx
@@ -10,6 +10,7 @@
     <p:sldId r:id="rId10" id="258"/>
     <p:sldId r:id="rId11" id="259"/>
     <p:sldId r:id="rId12" id="260"/>
+    <p:sldId r:id="rId13" id="261"/>
   </p:sldIdLst>
   <p:sldSz cx="9144000" cy="6858000" type="screen4x3"/>
   <p:notesSz cx="6858000" cy="9144000"/>
@@ -506,7 +507,7 @@
           <a:lstStyle/>
           <a:p>
             <a:r>
-              <a:t>Verse 1</a:t>
+              <a:t>Intro</a:t>
             </a:r>
             <a:br/>
             <a:r>
@@ -584,7 +585,7 @@
           <a:lstStyle/>
           <a:p>
             <a:r>
-              <a:t>Verse 2</a:t>
+              <a:t>Verse 1</a:t>
             </a:r>
             <a:br/>
             <a:r>
@@ -662,7 +663,7 @@
           <a:lstStyle/>
           <a:p>
             <a:r>
-              <a:t>Chorus</a:t>
+              <a:t>Verse 2</a:t>
             </a:r>
             <a:br/>
             <a:r>
@@ -740,7 +741,7 @@
           <a:lstStyle/>
           <a:p>
             <a:r>
-              <a:t>Verse 3</a:t>
+              <a:t>Chorus</a:t>
             </a:r>
             <a:br/>
             <a:r>
@@ -774,6 +775,84 @@
 </file>
 
 <file path=ppt/notesSlides/notesSlide5.xml><?xml version="1.0" encoding="utf-8"?>
+<p:notes xmlns:a="http://schemas.openxmlformats.org/drawingml/2006/main" xmlns:p="http://schemas.openxmlformats.org/presentationml/2006/main" xmlns:r="http://schemas.openxmlformats.org/officeDocument/2006/relationships">
+  <p:cSld>
+    <p:spTree>
+      <p:nvGrpSpPr>
+        <p:cNvPr id="1" name=""/>
+        <p:cNvGrpSpPr/>
+        <p:nvPr/>
+      </p:nvGrpSpPr>
+      <p:grpSpPr>
+        <a:xfrm>
+          <a:off x="0" y="0"/>
+          <a:ext cx="0" cy="0"/>
+          <a:chOff x="0" y="0"/>
+          <a:chExt cx="0" cy="0"/>
+        </a:xfrm>
+      </p:grpSpPr>
+      <p:sp>
+        <p:nvSpPr>
+          <p:cNvPr id="2" name="Slide Image Placeholder 1"/>
+          <p:cNvSpPr>
+            <a:spLocks noGrp="1"/>
+          </p:cNvSpPr>
+          <p:nvPr>
+            <p:ph type="sldImg" idx="2"/>
+          </p:nvPr>
+        </p:nvSpPr>
+        <p:spPr/>
+      </p:sp>
+      <p:sp>
+        <p:nvSpPr>
+          <p:cNvPr id="3" name="Notes Placeholder 2"/>
+          <p:cNvSpPr>
+            <a:spLocks noGrp="1"/>
+          </p:cNvSpPr>
+          <p:nvPr>
+            <p:ph type="body" idx="3" sz="quarter"/>
+          </p:nvPr>
+        </p:nvSpPr>
+        <p:spPr/>
+        <p:txBody>
+          <a:bodyPr/>
+          <a:lstStyle/>
+          <a:p>
+            <a:r>
+              <a:t>Verse 3</a:t>
+            </a:r>
+            <a:br/>
+            <a:r>
+              <a:t>Writers:  Ben Fielding, Reuben Morgan</a:t>
+            </a:r>
+            <a:br/>
+            <a:r>
+              <a:t>CCLI:  5060810</a:t>
+            </a:r>
+          </a:p>
+        </p:txBody>
+      </p:sp>
+      <p:sp>
+        <p:nvSpPr>
+          <p:cNvPr id="4" name="Slide Number Placeholder 3"/>
+          <p:cNvSpPr>
+            <a:spLocks noGrp="1"/>
+          </p:cNvSpPr>
+          <p:nvPr>
+            <p:ph type="sldNum" idx="5" sz="quarter"/>
+          </p:nvPr>
+        </p:nvSpPr>
+        <p:spPr/>
+      </p:sp>
+    </p:spTree>
+  </p:cSld>
+  <p:clrMapOvr>
+    <a:masterClrMapping/>
+  </p:clrMapOvr>
+</p:notes>
+</file>
+
+<file path=ppt/notesSlides/notesSlide6.xml><?xml version="1.0" encoding="utf-8"?>
 <p:notes xmlns:a="http://schemas.openxmlformats.org/drawingml/2006/main" xmlns:p="http://schemas.openxmlformats.org/presentationml/2006/main" xmlns:r="http://schemas.openxmlformats.org/officeDocument/2006/relationships">
   <p:cSld>
     <p:spTree>
@@ -3858,22 +3937,6 @@
             <a:pPr>
               <a:defRPr sz="2500"/>
             </a:pPr>
-            <a:r>
-              <a:t>There is Love that came for us</a:t>
-            </a:r>
-            <a:br/>
-            <a:r>
-              <a:t>Humbled to a sinner's cross</a:t>
-            </a:r>
-            <a:br/>
-            <a:r>
-              <a:t>You broke my shame and sinfulness</a:t>
-            </a:r>
-            <a:br/>
-            <a:r>
-              <a:t>You rose again victorious</a:t>
-            </a:r>
-            <a:br/>
           </a:p>
         </p:txBody>
       </p:sp>
@@ -3904,7 +3967,7 @@
               <a:defRPr sz="1200"/>
             </a:pPr>
             <a:r>
-              <a:t>Verse 1</a:t>
+              <a:t>Intro</a:t>
             </a:r>
             <a:br/>
             <a:r>
@@ -3962,19 +4025,19 @@
               <a:defRPr sz="2500"/>
             </a:pPr>
             <a:r>
-              <a:t>Faithfulness none can deny</a:t>
+              <a:t>There is Love that came for us</a:t>
             </a:r>
             <a:br/>
             <a:r>
-              <a:t>Through the storm and through the fire</a:t>
+              <a:t>Humbled to a sinner's cross</a:t>
             </a:r>
             <a:br/>
             <a:r>
-              <a:t>There is truth that sets me free</a:t>
+              <a:t>You broke my shame and sinfulness</a:t>
             </a:r>
             <a:br/>
             <a:r>
-              <a:t>Jesus Christ who lives in me</a:t>
+              <a:t>You rose again victorious</a:t>
             </a:r>
             <a:br/>
           </a:p>
@@ -4007,7 +4070,7 @@
               <a:defRPr sz="1200"/>
             </a:pPr>
             <a:r>
-              <a:t>Verse 2</a:t>
+              <a:t>Verse 1</a:t>
             </a:r>
             <a:br/>
             <a:r>
@@ -4065,31 +4128,19 @@
               <a:defRPr sz="2500"/>
             </a:pPr>
             <a:r>
-              <a:t>You are stronger</a:t>
+              <a:t>Faithfulness none can deny</a:t>
             </a:r>
             <a:br/>
             <a:r>
-              <a:t>You are stronger</a:t>
+              <a:t>Through the storm and through the fire</a:t>
             </a:r>
             <a:br/>
             <a:r>
-              <a:t>Sin is broken</a:t>
+              <a:t>There is truth that sets me free</a:t>
             </a:r>
             <a:br/>
             <a:r>
-              <a:t>You have saved me</a:t>
-            </a:r>
-            <a:br/>
-            <a:r>
-              <a:t>It is written</a:t>
-            </a:r>
-            <a:br/>
-            <a:r>
-              <a:t>Christ is risen</a:t>
-            </a:r>
-            <a:br/>
-            <a:r>
-              <a:t>Jesus You are Lord of all</a:t>
+              <a:t>Jesus Christ who lives in me</a:t>
             </a:r>
             <a:br/>
           </a:p>
@@ -4122,7 +4173,7 @@
               <a:defRPr sz="1200"/>
             </a:pPr>
             <a:r>
-              <a:t>Chorus</a:t>
+              <a:t>Verse 2</a:t>
             </a:r>
             <a:br/>
             <a:r>
@@ -4180,19 +4231,31 @@
               <a:defRPr sz="2500"/>
             </a:pPr>
             <a:r>
-              <a:t>No beginning and no end</a:t>
+              <a:t>You are stronger</a:t>
             </a:r>
             <a:br/>
             <a:r>
-              <a:t>You're my hope and my defense</a:t>
+              <a:t>You are stronger</a:t>
             </a:r>
             <a:br/>
             <a:r>
-              <a:t>You came to seek and save the lost</a:t>
+              <a:t>Sin is broken</a:t>
             </a:r>
             <a:br/>
             <a:r>
-              <a:t>You paid it all upon the cross</a:t>
+              <a:t>You have saved me</a:t>
+            </a:r>
+            <a:br/>
+            <a:r>
+              <a:t>It is written</a:t>
+            </a:r>
+            <a:br/>
+            <a:r>
+              <a:t>Christ is risen</a:t>
+            </a:r>
+            <a:br/>
+            <a:r>
+              <a:t>Jesus You are Lord of all</a:t>
             </a:r>
             <a:br/>
           </a:p>
@@ -4225,7 +4288,7 @@
               <a:defRPr sz="1200"/>
             </a:pPr>
             <a:r>
-              <a:t>Verse 3</a:t>
+              <a:t>Chorus</a:t>
             </a:r>
             <a:br/>
             <a:r>
@@ -4247,6 +4310,109 @@
 </file>
 
 <file path=ppt/slides/slide5.xml><?xml version="1.0" encoding="utf-8"?>
+<p:sld xmlns:a="http://schemas.openxmlformats.org/drawingml/2006/main" xmlns:p="http://schemas.openxmlformats.org/presentationml/2006/main" xmlns:r="http://schemas.openxmlformats.org/officeDocument/2006/relationships">
+  <p:cSld>
+    <p:spTree>
+      <p:nvGrpSpPr>
+        <p:cNvPr id="1" name=""/>
+        <p:cNvGrpSpPr/>
+        <p:nvPr/>
+      </p:nvGrpSpPr>
+      <p:grpSpPr/>
+      <p:sp>
+        <p:nvSpPr>
+          <p:cNvPr id="2" name="TextBox 1"/>
+          <p:cNvSpPr txBox="1"/>
+          <p:nvPr/>
+        </p:nvSpPr>
+        <p:spPr>
+          <a:xfrm>
+            <a:off x="914400" y="914400"/>
+            <a:ext cx="7315200" cy="914400"/>
+          </a:xfrm>
+          <a:prstGeom prst="rect">
+            <a:avLst/>
+          </a:prstGeom>
+          <a:noFill/>
+        </p:spPr>
+        <p:txBody>
+          <a:bodyPr wrap="none">
+            <a:spAutoFit/>
+          </a:bodyPr>
+          <a:lstStyle/>
+          <a:p/>
+          <a:p>
+            <a:pPr>
+              <a:defRPr sz="2500"/>
+            </a:pPr>
+            <a:r>
+              <a:t>No beginning and no end</a:t>
+            </a:r>
+            <a:br/>
+            <a:r>
+              <a:t>You're my hope and my defense</a:t>
+            </a:r>
+            <a:br/>
+            <a:r>
+              <a:t>You came to seek and save the lost</a:t>
+            </a:r>
+            <a:br/>
+            <a:r>
+              <a:t>You paid it all upon the cross</a:t>
+            </a:r>
+            <a:br/>
+          </a:p>
+        </p:txBody>
+      </p:sp>
+      <p:sp>
+        <p:nvSpPr>
+          <p:cNvPr id="3" name="TextBox 2"/>
+          <p:cNvSpPr txBox="1"/>
+          <p:nvPr/>
+        </p:nvSpPr>
+        <p:spPr>
+          <a:xfrm>
+            <a:off x="4572000" y="5943600"/>
+            <a:ext cx="914400" cy="914400"/>
+          </a:xfrm>
+          <a:prstGeom prst="rect">
+            <a:avLst/>
+          </a:prstGeom>
+          <a:noFill/>
+        </p:spPr>
+        <p:txBody>
+          <a:bodyPr wrap="none">
+            <a:spAutoFit/>
+          </a:bodyPr>
+          <a:lstStyle/>
+          <a:p/>
+          <a:p>
+            <a:pPr>
+              <a:defRPr sz="1200"/>
+            </a:pPr>
+            <a:r>
+              <a:t>Verse 3</a:t>
+            </a:r>
+            <a:br/>
+            <a:r>
+              <a:t>Writers:  Ben Fielding, Reuben Morgan</a:t>
+            </a:r>
+            <a:br/>
+            <a:r>
+              <a:t>CCLI:  5060810</a:t>
+            </a:r>
+          </a:p>
+        </p:txBody>
+      </p:sp>
+    </p:spTree>
+  </p:cSld>
+  <p:clrMapOvr>
+    <a:masterClrMapping/>
+  </p:clrMapOvr>
+</p:sld>
+</file>
+
+<file path=ppt/slides/slide6.xml><?xml version="1.0" encoding="utf-8"?>
 <p:sld xmlns:a="http://schemas.openxmlformats.org/drawingml/2006/main" xmlns:p="http://schemas.openxmlformats.org/presentationml/2006/main" xmlns:r="http://schemas.openxmlformats.org/officeDocument/2006/relationships">
   <p:cSld>
     <p:spTree>
